--- a/doc/IBM Bluemix DevOps Services のプロジェクトを Eclipse にインポートする ～ Eclipse + WAS Liberty Profile 編 ～.pptx
+++ b/doc/IBM Bluemix DevOps Services のプロジェクトを Eclipse にインポートする ～ Eclipse + WAS Liberty Profile 編 ～.pptx
@@ -1621,14 +1621,14 @@
           </a:ln>
           <a:extLst>
             <a:ext uri="{909E8E84-426E-40dd-AFC4-6F175D3DCCD1}">
-              <a14:hiddenFill xmlns="" xmlns:a14="http://schemas.microsoft.com/office/drawing/2010/main">
+              <a14:hiddenFill xmlns:a14="http://schemas.microsoft.com/office/drawing/2010/main" xmlns="">
                 <a:solidFill>
                   <a:srgbClr val="FFFFFF"/>
                 </a:solidFill>
               </a14:hiddenFill>
             </a:ext>
             <a:ext uri="{91240B29-F687-4f45-9708-019B960494DF}">
-              <a14:hiddenLine xmlns="" xmlns:a14="http://schemas.microsoft.com/office/drawing/2010/main" w="9525">
+              <a14:hiddenLine xmlns:a14="http://schemas.microsoft.com/office/drawing/2010/main" xmlns="" w="9525">
                 <a:solidFill>
                   <a:srgbClr val="000000"/>
                 </a:solidFill>
@@ -1675,14 +1675,14 @@
           </a:ln>
           <a:extLst>
             <a:ext uri="{909E8E84-426E-40dd-AFC4-6F175D3DCCD1}">
-              <a14:hiddenFill xmlns="" xmlns:a14="http://schemas.microsoft.com/office/drawing/2010/main">
+              <a14:hiddenFill xmlns:a14="http://schemas.microsoft.com/office/drawing/2010/main" xmlns="">
                 <a:solidFill>
                   <a:srgbClr val="FFFFFF"/>
                 </a:solidFill>
               </a14:hiddenFill>
             </a:ext>
             <a:ext uri="{91240B29-F687-4f45-9708-019B960494DF}">
-              <a14:hiddenLine xmlns="" xmlns:a14="http://schemas.microsoft.com/office/drawing/2010/main" w="9525">
+              <a14:hiddenLine xmlns:a14="http://schemas.microsoft.com/office/drawing/2010/main" xmlns="" w="9525">
                 <a:solidFill>
                   <a:srgbClr val="000000"/>
                 </a:solidFill>
@@ -1729,14 +1729,14 @@
           </a:ln>
           <a:extLst>
             <a:ext uri="{909E8E84-426E-40dd-AFC4-6F175D3DCCD1}">
-              <a14:hiddenFill xmlns="" xmlns:a14="http://schemas.microsoft.com/office/drawing/2010/main">
+              <a14:hiddenFill xmlns:a14="http://schemas.microsoft.com/office/drawing/2010/main" xmlns="">
                 <a:solidFill>
                   <a:srgbClr val="FFFFFF"/>
                 </a:solidFill>
               </a14:hiddenFill>
             </a:ext>
             <a:ext uri="{91240B29-F687-4f45-9708-019B960494DF}">
-              <a14:hiddenLine xmlns="" xmlns:a14="http://schemas.microsoft.com/office/drawing/2010/main" w="9525">
+              <a14:hiddenLine xmlns:a14="http://schemas.microsoft.com/office/drawing/2010/main" xmlns="" w="9525">
                 <a:solidFill>
                   <a:srgbClr val="000000"/>
                 </a:solidFill>
@@ -1771,14 +1771,14 @@
           <a:effectLst/>
           <a:extLst>
             <a:ext uri="{909E8E84-426E-40dd-AFC4-6F175D3DCCD1}">
-              <a14:hiddenFill xmlns="" xmlns:a14="http://schemas.microsoft.com/office/drawing/2010/main">
+              <a14:hiddenFill xmlns:a14="http://schemas.microsoft.com/office/drawing/2010/main" xmlns="">
                 <a:solidFill>
                   <a:srgbClr val="FFFFFF"/>
                 </a:solidFill>
               </a14:hiddenFill>
             </a:ext>
             <a:ext uri="{91240B29-F687-4f45-9708-019B960494DF}">
-              <a14:hiddenLine xmlns="" xmlns:a14="http://schemas.microsoft.com/office/drawing/2010/main" w="31750" algn="ctr">
+              <a14:hiddenLine xmlns:a14="http://schemas.microsoft.com/office/drawing/2010/main" xmlns="" w="31750" algn="ctr">
                 <a:solidFill>
                   <a:srgbClr val="3B4B54"/>
                 </a:solidFill>
@@ -1788,7 +1788,7 @@
               </a14:hiddenLine>
             </a:ext>
             <a:ext uri="{AF507438-7753-43e0-B8FC-AC1667EBCBE1}">
-              <a14:hiddenEffects xmlns="" xmlns:a14="http://schemas.microsoft.com/office/drawing/2010/main">
+              <a14:hiddenEffects xmlns:a14="http://schemas.microsoft.com/office/drawing/2010/main" xmlns="">
                 <a:effectLst>
                   <a:outerShdw dist="35921" dir="2700000" algn="ctr" rotWithShape="0">
                     <a:schemeClr val="bg2"/>
@@ -2019,14 +2019,14 @@
           <a:effectLst/>
           <a:extLst>
             <a:ext uri="{909E8E84-426E-40dd-AFC4-6F175D3DCCD1}">
-              <a14:hiddenFill xmlns="" xmlns:a14="http://schemas.microsoft.com/office/drawing/2010/main">
+              <a14:hiddenFill xmlns:a14="http://schemas.microsoft.com/office/drawing/2010/main" xmlns="">
                 <a:solidFill>
                   <a:srgbClr val="FFFFFF"/>
                 </a:solidFill>
               </a14:hiddenFill>
             </a:ext>
             <a:ext uri="{91240B29-F687-4f45-9708-019B960494DF}">
-              <a14:hiddenLine xmlns="" xmlns:a14="http://schemas.microsoft.com/office/drawing/2010/main" w="31750" algn="ctr">
+              <a14:hiddenLine xmlns:a14="http://schemas.microsoft.com/office/drawing/2010/main" xmlns="" w="31750" algn="ctr">
                 <a:solidFill>
                   <a:srgbClr val="3B4B54"/>
                 </a:solidFill>
@@ -2036,7 +2036,7 @@
               </a14:hiddenLine>
             </a:ext>
             <a:ext uri="{AF507438-7753-43e0-B8FC-AC1667EBCBE1}">
-              <a14:hiddenEffects xmlns="" xmlns:a14="http://schemas.microsoft.com/office/drawing/2010/main">
+              <a14:hiddenEffects xmlns:a14="http://schemas.microsoft.com/office/drawing/2010/main" xmlns="">
                 <a:effectLst>
                   <a:outerShdw dist="35921" dir="2700000" algn="ctr" rotWithShape="0">
                     <a:schemeClr val="bg2"/>
@@ -2238,7 +2238,7 @@
         <p:spPr bwMode="auto">
           <a:xfrm>
             <a:off x="955752" y="1050995"/>
-            <a:ext cx="5559920" cy="707886"/>
+            <a:ext cx="3730508" cy="584775"/>
           </a:xfrm>
           <a:prstGeom prst="rect">
             <a:avLst/>
@@ -2250,14 +2250,14 @@
           <a:effectLst/>
           <a:extLst>
             <a:ext uri="{909E8E84-426E-40dd-AFC4-6F175D3DCCD1}">
-              <a14:hiddenFill xmlns="" xmlns:a14="http://schemas.microsoft.com/office/drawing/2010/main">
+              <a14:hiddenFill xmlns:a14="http://schemas.microsoft.com/office/drawing/2010/main" xmlns="">
                 <a:solidFill>
                   <a:srgbClr val="CCECFF"/>
                 </a:solidFill>
               </a14:hiddenFill>
             </a:ext>
             <a:ext uri="{91240B29-F687-4f45-9708-019B960494DF}">
-              <a14:hiddenLine xmlns="" xmlns:a14="http://schemas.microsoft.com/office/drawing/2010/main" w="31750" algn="ctr">
+              <a14:hiddenLine xmlns:a14="http://schemas.microsoft.com/office/drawing/2010/main" xmlns="" w="31750" algn="ctr">
                 <a:solidFill>
                   <a:schemeClr val="accent2"/>
                 </a:solidFill>
@@ -2267,7 +2267,7 @@
               </a14:hiddenLine>
             </a:ext>
             <a:ext uri="{AF507438-7753-43e0-B8FC-AC1667EBCBE1}">
-              <a14:hiddenEffects xmlns="" xmlns:a14="http://schemas.microsoft.com/office/drawing/2010/main">
+              <a14:hiddenEffects xmlns:a14="http://schemas.microsoft.com/office/drawing/2010/main" xmlns="">
                 <a:effectLst>
                   <a:outerShdw dist="35921" dir="2700000" algn="ctr" rotWithShape="0">
                     <a:schemeClr val="bg2"/>
@@ -2450,18 +2450,37 @@
               <a:defRPr/>
             </a:pPr>
             <a:r>
-              <a:rPr kumimoji="0" lang="en-US" altLang="ja-JP" sz="4000" dirty="0" smtClean="0">
+              <a:rPr kumimoji="0" lang="en-US" altLang="ja-JP" sz="3200" b="1" dirty="0" smtClean="0">
                 <a:solidFill>
                   <a:srgbClr val="00849E"/>
                 </a:solidFill>
+                <a:latin typeface="+mj-lt"/>
               </a:rPr>
-              <a:t>Technical Enablement</a:t>
-            </a:r>
-            <a:endParaRPr kumimoji="0" lang="en-US" altLang="ja-JP" sz="1000" b="0" dirty="0" smtClean="0">
+              <a:t>Bluemix</a:t>
+            </a:r>
+            <a:r>
+              <a:rPr kumimoji="0" lang="en-US" altLang="ja-JP" sz="3200" b="1" baseline="0" dirty="0" smtClean="0">
+                <a:solidFill>
+                  <a:srgbClr val="00849E"/>
+                </a:solidFill>
+                <a:latin typeface="+mj-lt"/>
+              </a:rPr>
+              <a:t> </a:t>
+            </a:r>
+            <a:r>
+              <a:rPr kumimoji="0" lang="ja-JP" altLang="en-US" sz="3200" b="1" baseline="0" dirty="0" smtClean="0">
+                <a:solidFill>
+                  <a:srgbClr val="00849E"/>
+                </a:solidFill>
+                <a:latin typeface="+mj-lt"/>
+              </a:rPr>
+              <a:t>のご紹介</a:t>
+            </a:r>
+            <a:endParaRPr kumimoji="0" lang="en-US" altLang="ja-JP" sz="3200" b="1" dirty="0" smtClean="0">
               <a:solidFill>
                 <a:srgbClr val="00849E"/>
               </a:solidFill>
-              <a:latin typeface="Arial" panose="020B0604020202020204" pitchFamily="34" charset="0"/>
+              <a:latin typeface="+mj-lt"/>
             </a:endParaRPr>
           </a:p>
         </p:txBody>
@@ -2501,14 +2520,14 @@
           </a:ln>
           <a:extLst>
             <a:ext uri="{909E8E84-426E-40dd-AFC4-6F175D3DCCD1}">
-              <a14:hiddenFill xmlns="" xmlns:a14="http://schemas.microsoft.com/office/drawing/2010/main">
+              <a14:hiddenFill xmlns:a14="http://schemas.microsoft.com/office/drawing/2010/main" xmlns="">
                 <a:solidFill>
                   <a:srgbClr val="FFFFFF"/>
                 </a:solidFill>
               </a14:hiddenFill>
             </a:ext>
             <a:ext uri="{91240B29-F687-4f45-9708-019B960494DF}">
-              <a14:hiddenLine xmlns="" xmlns:a14="http://schemas.microsoft.com/office/drawing/2010/main" w="9525">
+              <a14:hiddenLine xmlns:a14="http://schemas.microsoft.com/office/drawing/2010/main" xmlns="" w="9525">
                 <a:solidFill>
                   <a:srgbClr val="000000"/>
                 </a:solidFill>
@@ -2623,12 +2642,12 @@
           <a:effectLst/>
           <a:extLst>
             <a:ext uri="{909E8E84-426E-40dd-AFC4-6F175D3DCCD1}">
-              <a14:hiddenFill xmlns="" xmlns:a14="http://schemas.microsoft.com/office/drawing/2010/main">
+              <a14:hiddenFill xmlns:a14="http://schemas.microsoft.com/office/drawing/2010/main" xmlns="">
                 <a:noFill/>
               </a14:hiddenFill>
             </a:ext>
             <a:ext uri="{AF507438-7753-43e0-B8FC-AC1667EBCBE1}">
-              <a14:hiddenEffects xmlns="" xmlns:a14="http://schemas.microsoft.com/office/drawing/2010/main">
+              <a14:hiddenEffects xmlns:a14="http://schemas.microsoft.com/office/drawing/2010/main" xmlns="">
                 <a:effectLst>
                   <a:outerShdw dist="35921" dir="2700000" algn="ctr" rotWithShape="0">
                     <a:schemeClr val="bg2"/>
@@ -2749,14 +2768,14 @@
           </a:ln>
           <a:extLst>
             <a:ext uri="{909E8E84-426E-40dd-AFC4-6F175D3DCCD1}">
-              <a14:hiddenFill xmlns="" xmlns:a14="http://schemas.microsoft.com/office/drawing/2010/main">
+              <a14:hiddenFill xmlns:a14="http://schemas.microsoft.com/office/drawing/2010/main" xmlns="">
                 <a:solidFill>
                   <a:srgbClr val="FFFFFF"/>
                 </a:solidFill>
               </a14:hiddenFill>
             </a:ext>
             <a:ext uri="{91240B29-F687-4f45-9708-019B960494DF}">
-              <a14:hiddenLine xmlns="" xmlns:a14="http://schemas.microsoft.com/office/drawing/2010/main" w="9525">
+              <a14:hiddenLine xmlns:a14="http://schemas.microsoft.com/office/drawing/2010/main" xmlns="" w="9525">
                 <a:solidFill>
                   <a:srgbClr val="000000"/>
                 </a:solidFill>
@@ -2802,7 +2821,7 @@
           </a:effectLst>
           <a:extLst>
             <a:ext uri="{909E8E84-426E-40dd-AFC4-6F175D3DCCD1}">
-              <a14:hiddenFill xmlns="" xmlns:a14="http://schemas.microsoft.com/office/drawing/2010/main">
+              <a14:hiddenFill xmlns:a14="http://schemas.microsoft.com/office/drawing/2010/main" xmlns="">
                 <a:noFill/>
               </a14:hiddenFill>
             </a:ext>
@@ -3099,14 +3118,14 @@
           <a:effectLst/>
           <a:extLst>
             <a:ext uri="{909E8E84-426E-40dd-AFC4-6F175D3DCCD1}">
-              <a14:hiddenFill xmlns="" xmlns:a14="http://schemas.microsoft.com/office/drawing/2010/main">
+              <a14:hiddenFill xmlns:a14="http://schemas.microsoft.com/office/drawing/2010/main" xmlns="">
                 <a:solidFill>
                   <a:schemeClr val="accent1"/>
                 </a:solidFill>
               </a14:hiddenFill>
             </a:ext>
             <a:ext uri="{91240B29-F687-4f45-9708-019B960494DF}">
-              <a14:hiddenLine xmlns="" xmlns:a14="http://schemas.microsoft.com/office/drawing/2010/main" w="9525">
+              <a14:hiddenLine xmlns:a14="http://schemas.microsoft.com/office/drawing/2010/main" xmlns="" w="9525">
                 <a:solidFill>
                   <a:schemeClr val="tx1"/>
                 </a:solidFill>
@@ -3116,7 +3135,7 @@
               </a14:hiddenLine>
             </a:ext>
             <a:ext uri="{AF507438-7753-43e0-B8FC-AC1667EBCBE1}">
-              <a14:hiddenEffects xmlns="" xmlns:a14="http://schemas.microsoft.com/office/drawing/2010/main">
+              <a14:hiddenEffects xmlns:a14="http://schemas.microsoft.com/office/drawing/2010/main" xmlns="">
                 <a:effectLst>
                   <a:outerShdw dist="35921" dir="2700000" algn="ctr" rotWithShape="0">
                     <a:schemeClr val="bg2"/>
@@ -3167,14 +3186,14 @@
           <a:effectLst/>
           <a:extLst>
             <a:ext uri="{909E8E84-426E-40dd-AFC4-6F175D3DCCD1}">
-              <a14:hiddenFill xmlns="" xmlns:a14="http://schemas.microsoft.com/office/drawing/2010/main">
+              <a14:hiddenFill xmlns:a14="http://schemas.microsoft.com/office/drawing/2010/main" xmlns="">
                 <a:solidFill>
                   <a:schemeClr val="accent1"/>
                 </a:solidFill>
               </a14:hiddenFill>
             </a:ext>
             <a:ext uri="{91240B29-F687-4f45-9708-019B960494DF}">
-              <a14:hiddenLine xmlns="" xmlns:a14="http://schemas.microsoft.com/office/drawing/2010/main" w="9525">
+              <a14:hiddenLine xmlns:a14="http://schemas.microsoft.com/office/drawing/2010/main" xmlns="" w="9525">
                 <a:solidFill>
                   <a:schemeClr val="tx1"/>
                 </a:solidFill>
@@ -3184,7 +3203,7 @@
               </a14:hiddenLine>
             </a:ext>
             <a:ext uri="{AF507438-7753-43e0-B8FC-AC1667EBCBE1}">
-              <a14:hiddenEffects xmlns="" xmlns:a14="http://schemas.microsoft.com/office/drawing/2010/main">
+              <a14:hiddenEffects xmlns:a14="http://schemas.microsoft.com/office/drawing/2010/main" xmlns="">
                 <a:effectLst>
                   <a:outerShdw dist="35921" dir="2700000" algn="ctr" rotWithShape="0">
                     <a:schemeClr val="bg2"/>
@@ -3283,12 +3302,12 @@
           <a:effectLst/>
           <a:extLst>
             <a:ext uri="{909E8E84-426E-40dd-AFC4-6F175D3DCCD1}">
-              <a14:hiddenFill xmlns="" xmlns:a14="http://schemas.microsoft.com/office/drawing/2010/main">
+              <a14:hiddenFill xmlns:a14="http://schemas.microsoft.com/office/drawing/2010/main" xmlns="">
                 <a:noFill/>
               </a14:hiddenFill>
             </a:ext>
             <a:ext uri="{AF507438-7753-43e0-B8FC-AC1667EBCBE1}">
-              <a14:hiddenEffects xmlns="" xmlns:a14="http://schemas.microsoft.com/office/drawing/2010/main">
+              <a14:hiddenEffects xmlns:a14="http://schemas.microsoft.com/office/drawing/2010/main" xmlns="">
                 <a:effectLst>
                   <a:outerShdw dist="35921" dir="2700000" algn="ctr" rotWithShape="0">
                     <a:schemeClr val="bg2"/>
@@ -3502,14 +3521,14 @@
           <a:effectLst/>
           <a:extLst>
             <a:ext uri="{909E8E84-426E-40dd-AFC4-6F175D3DCCD1}">
-              <a14:hiddenFill xmlns="" xmlns:a14="http://schemas.microsoft.com/office/drawing/2010/main">
+              <a14:hiddenFill xmlns:a14="http://schemas.microsoft.com/office/drawing/2010/main" xmlns="">
                 <a:solidFill>
                   <a:schemeClr val="accent1"/>
                 </a:solidFill>
               </a14:hiddenFill>
             </a:ext>
             <a:ext uri="{91240B29-F687-4f45-9708-019B960494DF}">
-              <a14:hiddenLine xmlns="" xmlns:a14="http://schemas.microsoft.com/office/drawing/2010/main" w="9525">
+              <a14:hiddenLine xmlns:a14="http://schemas.microsoft.com/office/drawing/2010/main" xmlns="" w="9525">
                 <a:solidFill>
                   <a:schemeClr val="tx1"/>
                 </a:solidFill>
@@ -3519,7 +3538,7 @@
               </a14:hiddenLine>
             </a:ext>
             <a:ext uri="{AF507438-7753-43e0-B8FC-AC1667EBCBE1}">
-              <a14:hiddenEffects xmlns="" xmlns:a14="http://schemas.microsoft.com/office/drawing/2010/main">
+              <a14:hiddenEffects xmlns:a14="http://schemas.microsoft.com/office/drawing/2010/main" xmlns="">
                 <a:effectLst>
                   <a:outerShdw dist="35921" dir="2700000" algn="ctr" rotWithShape="0">
                     <a:schemeClr val="bg2"/>
@@ -3763,14 +3782,14 @@
           </a:ln>
           <a:extLst>
             <a:ext uri="{909E8E84-426E-40dd-AFC4-6F175D3DCCD1}">
-              <a14:hiddenFill xmlns="" xmlns:a14="http://schemas.microsoft.com/office/drawing/2010/main">
+              <a14:hiddenFill xmlns:a14="http://schemas.microsoft.com/office/drawing/2010/main" xmlns="">
                 <a:solidFill>
                   <a:srgbClr val="FFFFFF"/>
                 </a:solidFill>
               </a14:hiddenFill>
             </a:ext>
             <a:ext uri="{91240B29-F687-4f45-9708-019B960494DF}">
-              <a14:hiddenLine xmlns="" xmlns:a14="http://schemas.microsoft.com/office/drawing/2010/main" w="9525">
+              <a14:hiddenLine xmlns:a14="http://schemas.microsoft.com/office/drawing/2010/main" xmlns="" w="9525">
                 <a:solidFill>
                   <a:srgbClr val="000000"/>
                 </a:solidFill>
@@ -3817,14 +3836,14 @@
           </a:ln>
           <a:extLst>
             <a:ext uri="{909E8E84-426E-40dd-AFC4-6F175D3DCCD1}">
-              <a14:hiddenFill xmlns="" xmlns:a14="http://schemas.microsoft.com/office/drawing/2010/main">
+              <a14:hiddenFill xmlns:a14="http://schemas.microsoft.com/office/drawing/2010/main" xmlns="">
                 <a:solidFill>
                   <a:srgbClr val="FFFFFF"/>
                 </a:solidFill>
               </a14:hiddenFill>
             </a:ext>
             <a:ext uri="{91240B29-F687-4f45-9708-019B960494DF}">
-              <a14:hiddenLine xmlns="" xmlns:a14="http://schemas.microsoft.com/office/drawing/2010/main" w="9525">
+              <a14:hiddenLine xmlns:a14="http://schemas.microsoft.com/office/drawing/2010/main" xmlns="" w="9525">
                 <a:solidFill>
                   <a:srgbClr val="000000"/>
                 </a:solidFill>
@@ -3859,14 +3878,14 @@
           <a:effectLst/>
           <a:extLst>
             <a:ext uri="{909E8E84-426E-40dd-AFC4-6F175D3DCCD1}">
-              <a14:hiddenFill xmlns="" xmlns:a14="http://schemas.microsoft.com/office/drawing/2010/main">
+              <a14:hiddenFill xmlns:a14="http://schemas.microsoft.com/office/drawing/2010/main" xmlns="">
                 <a:solidFill>
                   <a:schemeClr val="accent1"/>
                 </a:solidFill>
               </a14:hiddenFill>
             </a:ext>
             <a:ext uri="{91240B29-F687-4f45-9708-019B960494DF}">
-              <a14:hiddenLine xmlns="" xmlns:a14="http://schemas.microsoft.com/office/drawing/2010/main" w="9525" algn="ctr">
+              <a14:hiddenLine xmlns:a14="http://schemas.microsoft.com/office/drawing/2010/main" xmlns="" w="9525" algn="ctr">
                 <a:solidFill>
                   <a:schemeClr val="tx1"/>
                 </a:solidFill>
@@ -3876,7 +3895,7 @@
               </a14:hiddenLine>
             </a:ext>
             <a:ext uri="{AF507438-7753-43e0-B8FC-AC1667EBCBE1}">
-              <a14:hiddenEffects xmlns="" xmlns:a14="http://schemas.microsoft.com/office/drawing/2010/main">
+              <a14:hiddenEffects xmlns:a14="http://schemas.microsoft.com/office/drawing/2010/main" xmlns="">
                 <a:effectLst>
                   <a:outerShdw dist="35921" dir="2700000" algn="ctr" rotWithShape="0">
                     <a:schemeClr val="bg2"/>
@@ -4077,14 +4096,14 @@
           <a:effectLst/>
           <a:extLst>
             <a:ext uri="{909E8E84-426E-40dd-AFC4-6F175D3DCCD1}">
-              <a14:hiddenFill xmlns="" xmlns:a14="http://schemas.microsoft.com/office/drawing/2010/main">
+              <a14:hiddenFill xmlns:a14="http://schemas.microsoft.com/office/drawing/2010/main" xmlns="">
                 <a:solidFill>
                   <a:srgbClr val="FFFFFF"/>
                 </a:solidFill>
               </a14:hiddenFill>
             </a:ext>
             <a:ext uri="{91240B29-F687-4f45-9708-019B960494DF}">
-              <a14:hiddenLine xmlns="" xmlns:a14="http://schemas.microsoft.com/office/drawing/2010/main" w="31750" algn="ctr">
+              <a14:hiddenLine xmlns:a14="http://schemas.microsoft.com/office/drawing/2010/main" xmlns="" w="31750" algn="ctr">
                 <a:solidFill>
                   <a:srgbClr val="3B4B54"/>
                 </a:solidFill>
@@ -4094,7 +4113,7 @@
               </a14:hiddenLine>
             </a:ext>
             <a:ext uri="{AF507438-7753-43e0-B8FC-AC1667EBCBE1}">
-              <a14:hiddenEffects xmlns="" xmlns:a14="http://schemas.microsoft.com/office/drawing/2010/main">
+              <a14:hiddenEffects xmlns:a14="http://schemas.microsoft.com/office/drawing/2010/main" xmlns="">
                 <a:effectLst>
                   <a:outerShdw dist="35921" dir="2700000" algn="ctr" rotWithShape="0">
                     <a:schemeClr val="bg2"/>
@@ -4325,14 +4344,14 @@
           <a:effectLst/>
           <a:extLst>
             <a:ext uri="{909E8E84-426E-40dd-AFC4-6F175D3DCCD1}">
-              <a14:hiddenFill xmlns="" xmlns:a14="http://schemas.microsoft.com/office/drawing/2010/main">
+              <a14:hiddenFill xmlns:a14="http://schemas.microsoft.com/office/drawing/2010/main" xmlns="">
                 <a:solidFill>
                   <a:srgbClr val="FFFFFF"/>
                 </a:solidFill>
               </a14:hiddenFill>
             </a:ext>
             <a:ext uri="{91240B29-F687-4f45-9708-019B960494DF}">
-              <a14:hiddenLine xmlns="" xmlns:a14="http://schemas.microsoft.com/office/drawing/2010/main" w="31750" algn="ctr">
+              <a14:hiddenLine xmlns:a14="http://schemas.microsoft.com/office/drawing/2010/main" xmlns="" w="31750" algn="ctr">
                 <a:solidFill>
                   <a:srgbClr val="3B4B54"/>
                 </a:solidFill>
@@ -4342,7 +4361,7 @@
               </a14:hiddenLine>
             </a:ext>
             <a:ext uri="{AF507438-7753-43e0-B8FC-AC1667EBCBE1}">
-              <a14:hiddenEffects xmlns="" xmlns:a14="http://schemas.microsoft.com/office/drawing/2010/main">
+              <a14:hiddenEffects xmlns:a14="http://schemas.microsoft.com/office/drawing/2010/main" xmlns="">
                 <a:effectLst>
                   <a:outerShdw dist="35921" dir="2700000" algn="ctr" rotWithShape="0">
                     <a:schemeClr val="bg2"/>
@@ -5060,11 +5079,7 @@
             </a:r>
             <a:r>
               <a:rPr lang="en-US" altLang="ja-JP" sz="2400" dirty="0" smtClean="0"/>
-              <a:t>Eclipse + WAS </a:t>
-            </a:r>
-            <a:r>
-              <a:rPr lang="en-US" altLang="ja-JP" sz="2400" smtClean="0"/>
-              <a:t>Liberty Profile </a:t>
+              <a:t>Eclipse + WAS Liberty Profile </a:t>
             </a:r>
             <a:r>
               <a:rPr lang="ja-JP" altLang="en-US" sz="2400" dirty="0" smtClean="0"/>
@@ -5386,7 +5401,7 @@
           <a:effectLst/>
           <a:extLst>
             <a:ext uri="{AF507438-7753-43e0-B8FC-AC1667EBCBE1}">
-              <a14:hiddenEffects xmlns:a14="http://schemas.microsoft.com/office/drawing/2010/main" xmlns="">
+              <a14:hiddenEffects xmlns="" xmlns:a14="http://schemas.microsoft.com/office/drawing/2010/main">
                 <a:effectLst>
                   <a:outerShdw dist="35921" dir="2700000" algn="ctr" rotWithShape="0">
                     <a:schemeClr val="bg2"/>
@@ -5462,7 +5477,7 @@
           <a:effectLst/>
           <a:extLst>
             <a:ext uri="{AF507438-7753-43e0-B8FC-AC1667EBCBE1}">
-              <a14:hiddenEffects xmlns:a14="http://schemas.microsoft.com/office/drawing/2010/main" xmlns="">
+              <a14:hiddenEffects xmlns="" xmlns:a14="http://schemas.microsoft.com/office/drawing/2010/main">
                 <a:effectLst>
                   <a:outerShdw dist="35921" dir="2700000" algn="ctr" rotWithShape="0">
                     <a:schemeClr val="bg2"/>
@@ -5678,7 +5693,7 @@
           <a:effectLst/>
           <a:extLst>
             <a:ext uri="{AF507438-7753-43e0-B8FC-AC1667EBCBE1}">
-              <a14:hiddenEffects xmlns:a14="http://schemas.microsoft.com/office/drawing/2010/main" xmlns="">
+              <a14:hiddenEffects xmlns="" xmlns:a14="http://schemas.microsoft.com/office/drawing/2010/main">
                 <a:effectLst>
                   <a:outerShdw dist="35921" dir="2700000" algn="ctr" rotWithShape="0">
                     <a:schemeClr val="bg2"/>
@@ -5754,7 +5769,7 @@
           <a:effectLst/>
           <a:extLst>
             <a:ext uri="{AF507438-7753-43e0-B8FC-AC1667EBCBE1}">
-              <a14:hiddenEffects xmlns:a14="http://schemas.microsoft.com/office/drawing/2010/main" xmlns="">
+              <a14:hiddenEffects xmlns="" xmlns:a14="http://schemas.microsoft.com/office/drawing/2010/main">
                 <a:effectLst>
                   <a:outerShdw dist="35921" dir="2700000" algn="ctr" rotWithShape="0">
                     <a:schemeClr val="bg2"/>
@@ -5830,7 +5845,7 @@
           <a:effectLst/>
           <a:extLst>
             <a:ext uri="{AF507438-7753-43e0-B8FC-AC1667EBCBE1}">
-              <a14:hiddenEffects xmlns:a14="http://schemas.microsoft.com/office/drawing/2010/main" xmlns="">
+              <a14:hiddenEffects xmlns="" xmlns:a14="http://schemas.microsoft.com/office/drawing/2010/main">
                 <a:effectLst>
                   <a:outerShdw dist="35921" dir="2700000" algn="ctr" rotWithShape="0">
                     <a:schemeClr val="bg2"/>
@@ -5906,7 +5921,7 @@
           <a:effectLst/>
           <a:extLst>
             <a:ext uri="{AF507438-7753-43e0-B8FC-AC1667EBCBE1}">
-              <a14:hiddenEffects xmlns:a14="http://schemas.microsoft.com/office/drawing/2010/main" xmlns="">
+              <a14:hiddenEffects xmlns="" xmlns:a14="http://schemas.microsoft.com/office/drawing/2010/main">
                 <a:effectLst>
                   <a:outerShdw dist="35921" dir="2700000" algn="ctr" rotWithShape="0">
                     <a:schemeClr val="bg2"/>
@@ -5982,7 +5997,7 @@
           <a:effectLst/>
           <a:extLst>
             <a:ext uri="{AF507438-7753-43e0-B8FC-AC1667EBCBE1}">
-              <a14:hiddenEffects xmlns:a14="http://schemas.microsoft.com/office/drawing/2010/main" xmlns="">
+              <a14:hiddenEffects xmlns="" xmlns:a14="http://schemas.microsoft.com/office/drawing/2010/main">
                 <a:effectLst>
                   <a:outerShdw dist="35921" dir="2700000" algn="ctr" rotWithShape="0">
                     <a:schemeClr val="bg2"/>
@@ -6063,7 +6078,7 @@
           <a:effectLst/>
           <a:extLst>
             <a:ext uri="{AF507438-7753-43e0-B8FC-AC1667EBCBE1}">
-              <a14:hiddenEffects xmlns:a14="http://schemas.microsoft.com/office/drawing/2010/main" xmlns="">
+              <a14:hiddenEffects xmlns="" xmlns:a14="http://schemas.microsoft.com/office/drawing/2010/main">
                 <a:effectLst>
                   <a:outerShdw dist="35921" dir="2700000" algn="ctr" rotWithShape="0">
                     <a:schemeClr val="bg2"/>
@@ -6156,7 +6171,7 @@
           <a:effectLst/>
           <a:extLst>
             <a:ext uri="{AF507438-7753-43e0-B8FC-AC1667EBCBE1}">
-              <a14:hiddenEffects xmlns:a14="http://schemas.microsoft.com/office/drawing/2010/main" xmlns="">
+              <a14:hiddenEffects xmlns="" xmlns:a14="http://schemas.microsoft.com/office/drawing/2010/main">
                 <a:effectLst>
                   <a:outerShdw dist="35921" dir="2700000" algn="ctr" rotWithShape="0">
                     <a:schemeClr val="bg2"/>
@@ -6196,7 +6211,7 @@
           <a:effectLst/>
           <a:extLst>
             <a:ext uri="{AF507438-7753-43e0-B8FC-AC1667EBCBE1}">
-              <a14:hiddenEffects xmlns:a14="http://schemas.microsoft.com/office/drawing/2010/main" xmlns="">
+              <a14:hiddenEffects xmlns="" xmlns:a14="http://schemas.microsoft.com/office/drawing/2010/main">
                 <a:effectLst>
                   <a:outerShdw dist="35921" dir="2700000" algn="ctr" rotWithShape="0">
                     <a:schemeClr val="bg2"/>
@@ -6332,7 +6347,7 @@
           <a:effectLst/>
           <a:extLst>
             <a:ext uri="{AF507438-7753-43e0-B8FC-AC1667EBCBE1}">
-              <a14:hiddenEffects xmlns:a14="http://schemas.microsoft.com/office/drawing/2010/main" xmlns="">
+              <a14:hiddenEffects xmlns="" xmlns:a14="http://schemas.microsoft.com/office/drawing/2010/main">
                 <a:effectLst>
                   <a:outerShdw dist="35921" dir="2700000" algn="ctr" rotWithShape="0">
                     <a:schemeClr val="bg2"/>
@@ -6408,7 +6423,7 @@
           <a:effectLst/>
           <a:extLst>
             <a:ext uri="{AF507438-7753-43e0-B8FC-AC1667EBCBE1}">
-              <a14:hiddenEffects xmlns:a14="http://schemas.microsoft.com/office/drawing/2010/main" xmlns="">
+              <a14:hiddenEffects xmlns="" xmlns:a14="http://schemas.microsoft.com/office/drawing/2010/main">
                 <a:effectLst>
                   <a:outerShdw dist="35921" dir="2700000" algn="ctr" rotWithShape="0">
                     <a:schemeClr val="bg2"/>
@@ -6602,7 +6617,7 @@
           <a:effectLst/>
           <a:extLst>
             <a:ext uri="{AF507438-7753-43e0-B8FC-AC1667EBCBE1}">
-              <a14:hiddenEffects xmlns:a14="http://schemas.microsoft.com/office/drawing/2010/main" xmlns="">
+              <a14:hiddenEffects xmlns="" xmlns:a14="http://schemas.microsoft.com/office/drawing/2010/main">
                 <a:effectLst>
                   <a:outerShdw dist="35921" dir="2700000" algn="ctr" rotWithShape="0">
                     <a:schemeClr val="bg2"/>
@@ -6640,7 +6655,7 @@
           <a:effectLst/>
           <a:extLst>
             <a:ext uri="{AF507438-7753-43e0-B8FC-AC1667EBCBE1}">
-              <a14:hiddenEffects xmlns:a14="http://schemas.microsoft.com/office/drawing/2010/main" xmlns="">
+              <a14:hiddenEffects xmlns="" xmlns:a14="http://schemas.microsoft.com/office/drawing/2010/main">
                 <a:effectLst>
                   <a:outerShdw dist="35921" dir="2700000" algn="ctr" rotWithShape="0">
                     <a:schemeClr val="bg2"/>
@@ -6716,7 +6731,7 @@
           <a:effectLst/>
           <a:extLst>
             <a:ext uri="{AF507438-7753-43e0-B8FC-AC1667EBCBE1}">
-              <a14:hiddenEffects xmlns:a14="http://schemas.microsoft.com/office/drawing/2010/main" xmlns="">
+              <a14:hiddenEffects xmlns="" xmlns:a14="http://schemas.microsoft.com/office/drawing/2010/main">
                 <a:effectLst>
                   <a:outerShdw dist="35921" dir="2700000" algn="ctr" rotWithShape="0">
                     <a:schemeClr val="bg2"/>
@@ -6792,7 +6807,7 @@
           <a:effectLst/>
           <a:extLst>
             <a:ext uri="{AF507438-7753-43e0-B8FC-AC1667EBCBE1}">
-              <a14:hiddenEffects xmlns:a14="http://schemas.microsoft.com/office/drawing/2010/main" xmlns="">
+              <a14:hiddenEffects xmlns="" xmlns:a14="http://schemas.microsoft.com/office/drawing/2010/main">
                 <a:effectLst>
                   <a:outerShdw dist="35921" dir="2700000" algn="ctr" rotWithShape="0">
                     <a:schemeClr val="bg2"/>
@@ -6868,7 +6883,7 @@
           <a:effectLst/>
           <a:extLst>
             <a:ext uri="{AF507438-7753-43e0-B8FC-AC1667EBCBE1}">
-              <a14:hiddenEffects xmlns:a14="http://schemas.microsoft.com/office/drawing/2010/main" xmlns="">
+              <a14:hiddenEffects xmlns="" xmlns:a14="http://schemas.microsoft.com/office/drawing/2010/main">
                 <a:effectLst>
                   <a:outerShdw dist="35921" dir="2700000" algn="ctr" rotWithShape="0">
                     <a:schemeClr val="bg2"/>
@@ -7055,7 +7070,7 @@
           <a:effectLst/>
           <a:extLst>
             <a:ext uri="{AF507438-7753-43e0-B8FC-AC1667EBCBE1}">
-              <a14:hiddenEffects xmlns:a14="http://schemas.microsoft.com/office/drawing/2010/main" xmlns="">
+              <a14:hiddenEffects xmlns="" xmlns:a14="http://schemas.microsoft.com/office/drawing/2010/main">
                 <a:effectLst>
                   <a:outerShdw dist="35921" dir="2700000" algn="ctr" rotWithShape="0">
                     <a:schemeClr val="bg2"/>
@@ -7093,7 +7108,7 @@
           <a:effectLst/>
           <a:extLst>
             <a:ext uri="{AF507438-7753-43e0-B8FC-AC1667EBCBE1}">
-              <a14:hiddenEffects xmlns:a14="http://schemas.microsoft.com/office/drawing/2010/main" xmlns="">
+              <a14:hiddenEffects xmlns="" xmlns:a14="http://schemas.microsoft.com/office/drawing/2010/main">
                 <a:effectLst>
                   <a:outerShdw dist="35921" dir="2700000" algn="ctr" rotWithShape="0">
                     <a:schemeClr val="bg2"/>
@@ -7169,7 +7184,7 @@
           <a:effectLst/>
           <a:extLst>
             <a:ext uri="{AF507438-7753-43e0-B8FC-AC1667EBCBE1}">
-              <a14:hiddenEffects xmlns:a14="http://schemas.microsoft.com/office/drawing/2010/main" xmlns="">
+              <a14:hiddenEffects xmlns="" xmlns:a14="http://schemas.microsoft.com/office/drawing/2010/main">
                 <a:effectLst>
                   <a:outerShdw dist="35921" dir="2700000" algn="ctr" rotWithShape="0">
                     <a:schemeClr val="bg2"/>
@@ -7245,7 +7260,7 @@
           <a:effectLst/>
           <a:extLst>
             <a:ext uri="{AF507438-7753-43e0-B8FC-AC1667EBCBE1}">
-              <a14:hiddenEffects xmlns:a14="http://schemas.microsoft.com/office/drawing/2010/main" xmlns="">
+              <a14:hiddenEffects xmlns="" xmlns:a14="http://schemas.microsoft.com/office/drawing/2010/main">
                 <a:effectLst>
                   <a:outerShdw dist="35921" dir="2700000" algn="ctr" rotWithShape="0">
                     <a:schemeClr val="bg2"/>
@@ -7454,7 +7469,7 @@
           <a:effectLst/>
           <a:extLst>
             <a:ext uri="{AF507438-7753-43e0-B8FC-AC1667EBCBE1}">
-              <a14:hiddenEffects xmlns:a14="http://schemas.microsoft.com/office/drawing/2010/main" xmlns="">
+              <a14:hiddenEffects xmlns="" xmlns:a14="http://schemas.microsoft.com/office/drawing/2010/main">
                 <a:effectLst>
                   <a:outerShdw dist="35921" dir="2700000" algn="ctr" rotWithShape="0">
                     <a:schemeClr val="bg2"/>
@@ -7532,7 +7547,7 @@
           <a:effectLst/>
           <a:extLst>
             <a:ext uri="{AF507438-7753-43e0-B8FC-AC1667EBCBE1}">
-              <a14:hiddenEffects xmlns:a14="http://schemas.microsoft.com/office/drawing/2010/main" xmlns="">
+              <a14:hiddenEffects xmlns="" xmlns:a14="http://schemas.microsoft.com/office/drawing/2010/main">
                 <a:effectLst>
                   <a:outerShdw dist="35921" dir="2700000" algn="ctr" rotWithShape="0">
                     <a:schemeClr val="bg2"/>
@@ -7572,7 +7587,7 @@
           <a:effectLst/>
           <a:extLst>
             <a:ext uri="{AF507438-7753-43e0-B8FC-AC1667EBCBE1}">
-              <a14:hiddenEffects xmlns:a14="http://schemas.microsoft.com/office/drawing/2010/main" xmlns="">
+              <a14:hiddenEffects xmlns="" xmlns:a14="http://schemas.microsoft.com/office/drawing/2010/main">
                 <a:effectLst>
                   <a:outerShdw dist="35921" dir="2700000" algn="ctr" rotWithShape="0">
                     <a:schemeClr val="bg2"/>
@@ -7610,7 +7625,7 @@
           <a:effectLst/>
           <a:extLst>
             <a:ext uri="{AF507438-7753-43e0-B8FC-AC1667EBCBE1}">
-              <a14:hiddenEffects xmlns:a14="http://schemas.microsoft.com/office/drawing/2010/main" xmlns="">
+              <a14:hiddenEffects xmlns="" xmlns:a14="http://schemas.microsoft.com/office/drawing/2010/main">
                 <a:effectLst>
                   <a:outerShdw dist="35921" dir="2700000" algn="ctr" rotWithShape="0">
                     <a:schemeClr val="bg2"/>
@@ -7686,7 +7701,7 @@
           <a:effectLst/>
           <a:extLst>
             <a:ext uri="{AF507438-7753-43e0-B8FC-AC1667EBCBE1}">
-              <a14:hiddenEffects xmlns:a14="http://schemas.microsoft.com/office/drawing/2010/main" xmlns="">
+              <a14:hiddenEffects xmlns="" xmlns:a14="http://schemas.microsoft.com/office/drawing/2010/main">
                 <a:effectLst>
                   <a:outerShdw dist="35921" dir="2700000" algn="ctr" rotWithShape="0">
                     <a:schemeClr val="bg2"/>
@@ -7762,7 +7777,7 @@
           <a:effectLst/>
           <a:extLst>
             <a:ext uri="{AF507438-7753-43e0-B8FC-AC1667EBCBE1}">
-              <a14:hiddenEffects xmlns:a14="http://schemas.microsoft.com/office/drawing/2010/main" xmlns="">
+              <a14:hiddenEffects xmlns="" xmlns:a14="http://schemas.microsoft.com/office/drawing/2010/main">
                 <a:effectLst>
                   <a:outerShdw dist="35921" dir="2700000" algn="ctr" rotWithShape="0">
                     <a:schemeClr val="bg2"/>
@@ -7994,7 +8009,7 @@
           <a:effectLst/>
           <a:extLst>
             <a:ext uri="{AF507438-7753-43e0-B8FC-AC1667EBCBE1}">
-              <a14:hiddenEffects xmlns:a14="http://schemas.microsoft.com/office/drawing/2010/main" xmlns="">
+              <a14:hiddenEffects xmlns="" xmlns:a14="http://schemas.microsoft.com/office/drawing/2010/main">
                 <a:effectLst>
                   <a:outerShdw dist="35921" dir="2700000" algn="ctr" rotWithShape="0">
                     <a:schemeClr val="bg2"/>
@@ -8070,7 +8085,7 @@
           <a:effectLst/>
           <a:extLst>
             <a:ext uri="{AF507438-7753-43e0-B8FC-AC1667EBCBE1}">
-              <a14:hiddenEffects xmlns:a14="http://schemas.microsoft.com/office/drawing/2010/main" xmlns="">
+              <a14:hiddenEffects xmlns="" xmlns:a14="http://schemas.microsoft.com/office/drawing/2010/main">
                 <a:effectLst>
                   <a:outerShdw dist="35921" dir="2700000" algn="ctr" rotWithShape="0">
                     <a:schemeClr val="bg2"/>
@@ -8151,7 +8166,7 @@
           <a:effectLst/>
           <a:extLst>
             <a:ext uri="{AF507438-7753-43e0-B8FC-AC1667EBCBE1}">
-              <a14:hiddenEffects xmlns:a14="http://schemas.microsoft.com/office/drawing/2010/main" xmlns="">
+              <a14:hiddenEffects xmlns="" xmlns:a14="http://schemas.microsoft.com/office/drawing/2010/main">
                 <a:effectLst>
                   <a:outerShdw dist="35921" dir="2700000" algn="ctr" rotWithShape="0">
                     <a:schemeClr val="bg2"/>
@@ -8343,7 +8358,7 @@
           <a:effectLst/>
           <a:extLst>
             <a:ext uri="{AF507438-7753-43e0-B8FC-AC1667EBCBE1}">
-              <a14:hiddenEffects xmlns:a14="http://schemas.microsoft.com/office/drawing/2010/main" xmlns="">
+              <a14:hiddenEffects xmlns="" xmlns:a14="http://schemas.microsoft.com/office/drawing/2010/main">
                 <a:effectLst>
                   <a:outerShdw dist="35921" dir="2700000" algn="ctr" rotWithShape="0">
                     <a:schemeClr val="bg2"/>
@@ -8381,7 +8396,7 @@
           <a:effectLst/>
           <a:extLst>
             <a:ext uri="{AF507438-7753-43e0-B8FC-AC1667EBCBE1}">
-              <a14:hiddenEffects xmlns:a14="http://schemas.microsoft.com/office/drawing/2010/main" xmlns="">
+              <a14:hiddenEffects xmlns="" xmlns:a14="http://schemas.microsoft.com/office/drawing/2010/main">
                 <a:effectLst>
                   <a:outerShdw dist="35921" dir="2700000" algn="ctr" rotWithShape="0">
                     <a:schemeClr val="bg2"/>
@@ -8457,7 +8472,7 @@
           <a:effectLst/>
           <a:extLst>
             <a:ext uri="{AF507438-7753-43e0-B8FC-AC1667EBCBE1}">
-              <a14:hiddenEffects xmlns:a14="http://schemas.microsoft.com/office/drawing/2010/main" xmlns="">
+              <a14:hiddenEffects xmlns="" xmlns:a14="http://schemas.microsoft.com/office/drawing/2010/main">
                 <a:effectLst>
                   <a:outerShdw dist="35921" dir="2700000" algn="ctr" rotWithShape="0">
                     <a:schemeClr val="bg2"/>
@@ -8533,7 +8548,7 @@
           <a:effectLst/>
           <a:extLst>
             <a:ext uri="{AF507438-7753-43e0-B8FC-AC1667EBCBE1}">
-              <a14:hiddenEffects xmlns:a14="http://schemas.microsoft.com/office/drawing/2010/main" xmlns="">
+              <a14:hiddenEffects xmlns="" xmlns:a14="http://schemas.microsoft.com/office/drawing/2010/main">
                 <a:effectLst>
                   <a:outerShdw dist="35921" dir="2700000" algn="ctr" rotWithShape="0">
                     <a:schemeClr val="bg2"/>
@@ -8609,7 +8624,7 @@
           <a:effectLst/>
           <a:extLst>
             <a:ext uri="{AF507438-7753-43e0-B8FC-AC1667EBCBE1}">
-              <a14:hiddenEffects xmlns:a14="http://schemas.microsoft.com/office/drawing/2010/main" xmlns="">
+              <a14:hiddenEffects xmlns="" xmlns:a14="http://schemas.microsoft.com/office/drawing/2010/main">
                 <a:effectLst>
                   <a:outerShdw dist="35921" dir="2700000" algn="ctr" rotWithShape="0">
                     <a:schemeClr val="bg2"/>
@@ -9018,7 +9033,7 @@
           <a:effectLst/>
           <a:extLst>
             <a:ext uri="{AF507438-7753-43e0-B8FC-AC1667EBCBE1}">
-              <a14:hiddenEffects xmlns:a14="http://schemas.microsoft.com/office/drawing/2010/main" xmlns="">
+              <a14:hiddenEffects xmlns="" xmlns:a14="http://schemas.microsoft.com/office/drawing/2010/main">
                 <a:effectLst>
                   <a:outerShdw dist="35921" dir="2700000" algn="ctr" rotWithShape="0">
                     <a:schemeClr val="bg2"/>
@@ -9056,7 +9071,7 @@
           <a:effectLst/>
           <a:extLst>
             <a:ext uri="{AF507438-7753-43e0-B8FC-AC1667EBCBE1}">
-              <a14:hiddenEffects xmlns:a14="http://schemas.microsoft.com/office/drawing/2010/main" xmlns="">
+              <a14:hiddenEffects xmlns="" xmlns:a14="http://schemas.microsoft.com/office/drawing/2010/main">
                 <a:effectLst>
                   <a:outerShdw dist="35921" dir="2700000" algn="ctr" rotWithShape="0">
                     <a:schemeClr val="bg2"/>
@@ -9132,7 +9147,7 @@
           <a:effectLst/>
           <a:extLst>
             <a:ext uri="{AF507438-7753-43e0-B8FC-AC1667EBCBE1}">
-              <a14:hiddenEffects xmlns:a14="http://schemas.microsoft.com/office/drawing/2010/main" xmlns="">
+              <a14:hiddenEffects xmlns="" xmlns:a14="http://schemas.microsoft.com/office/drawing/2010/main">
                 <a:effectLst>
                   <a:outerShdw dist="35921" dir="2700000" algn="ctr" rotWithShape="0">
                     <a:schemeClr val="bg2"/>
@@ -9208,7 +9223,7 @@
           <a:effectLst/>
           <a:extLst>
             <a:ext uri="{AF507438-7753-43e0-B8FC-AC1667EBCBE1}">
-              <a14:hiddenEffects xmlns:a14="http://schemas.microsoft.com/office/drawing/2010/main" xmlns="">
+              <a14:hiddenEffects xmlns="" xmlns:a14="http://schemas.microsoft.com/office/drawing/2010/main">
                 <a:effectLst>
                   <a:outerShdw dist="35921" dir="2700000" algn="ctr" rotWithShape="0">
                     <a:schemeClr val="bg2"/>
@@ -9402,7 +9417,7 @@
           <a:effectLst/>
           <a:extLst>
             <a:ext uri="{AF507438-7753-43e0-B8FC-AC1667EBCBE1}">
-              <a14:hiddenEffects xmlns:a14="http://schemas.microsoft.com/office/drawing/2010/main" xmlns="">
+              <a14:hiddenEffects xmlns="" xmlns:a14="http://schemas.microsoft.com/office/drawing/2010/main">
                 <a:effectLst>
                   <a:outerShdw dist="35921" dir="2700000" algn="ctr" rotWithShape="0">
                     <a:schemeClr val="bg2"/>
@@ -9442,7 +9457,7 @@
           <a:effectLst/>
           <a:extLst>
             <a:ext uri="{AF507438-7753-43e0-B8FC-AC1667EBCBE1}">
-              <a14:hiddenEffects xmlns:a14="http://schemas.microsoft.com/office/drawing/2010/main" xmlns="">
+              <a14:hiddenEffects xmlns="" xmlns:a14="http://schemas.microsoft.com/office/drawing/2010/main">
                 <a:effectLst>
                   <a:outerShdw dist="35921" dir="2700000" algn="ctr" rotWithShape="0">
                     <a:schemeClr val="bg2"/>
@@ -9480,7 +9495,7 @@
           <a:effectLst/>
           <a:extLst>
             <a:ext uri="{AF507438-7753-43e0-B8FC-AC1667EBCBE1}">
-              <a14:hiddenEffects xmlns:a14="http://schemas.microsoft.com/office/drawing/2010/main" xmlns="">
+              <a14:hiddenEffects xmlns="" xmlns:a14="http://schemas.microsoft.com/office/drawing/2010/main">
                 <a:effectLst>
                   <a:outerShdw dist="35921" dir="2700000" algn="ctr" rotWithShape="0">
                     <a:schemeClr val="bg2"/>
@@ -9556,7 +9571,7 @@
           <a:effectLst/>
           <a:extLst>
             <a:ext uri="{AF507438-7753-43e0-B8FC-AC1667EBCBE1}">
-              <a14:hiddenEffects xmlns:a14="http://schemas.microsoft.com/office/drawing/2010/main" xmlns="">
+              <a14:hiddenEffects xmlns="" xmlns:a14="http://schemas.microsoft.com/office/drawing/2010/main">
                 <a:effectLst>
                   <a:outerShdw dist="35921" dir="2700000" algn="ctr" rotWithShape="0">
                     <a:schemeClr val="bg2"/>
@@ -9632,7 +9647,7 @@
           <a:effectLst/>
           <a:extLst>
             <a:ext uri="{AF507438-7753-43e0-B8FC-AC1667EBCBE1}">
-              <a14:hiddenEffects xmlns:a14="http://schemas.microsoft.com/office/drawing/2010/main" xmlns="">
+              <a14:hiddenEffects xmlns="" xmlns:a14="http://schemas.microsoft.com/office/drawing/2010/main">
                 <a:effectLst>
                   <a:outerShdw dist="35921" dir="2700000" algn="ctr" rotWithShape="0">
                     <a:schemeClr val="bg2"/>
@@ -9732,7 +9747,7 @@
           <a:effectLst/>
           <a:extLst>
             <a:ext uri="{AF507438-7753-43e0-B8FC-AC1667EBCBE1}">
-              <a14:hiddenEffects xmlns:a14="http://schemas.microsoft.com/office/drawing/2010/main" xmlns="">
+              <a14:hiddenEffects xmlns="" xmlns:a14="http://schemas.microsoft.com/office/drawing/2010/main">
                 <a:effectLst>
                   <a:outerShdw dist="35921" dir="2700000" algn="ctr" rotWithShape="0">
                     <a:schemeClr val="bg2"/>
@@ -9902,7 +9917,7 @@
           <a:effectLst/>
           <a:extLst>
             <a:ext uri="{AF507438-7753-43e0-B8FC-AC1667EBCBE1}">
-              <a14:hiddenEffects xmlns:a14="http://schemas.microsoft.com/office/drawing/2010/main" xmlns="">
+              <a14:hiddenEffects xmlns="" xmlns:a14="http://schemas.microsoft.com/office/drawing/2010/main">
                 <a:effectLst>
                   <a:outerShdw dist="35921" dir="2700000" algn="ctr" rotWithShape="0">
                     <a:schemeClr val="bg2"/>
@@ -9983,7 +9998,7 @@
           <a:effectLst/>
           <a:extLst>
             <a:ext uri="{AF507438-7753-43e0-B8FC-AC1667EBCBE1}">
-              <a14:hiddenEffects xmlns:a14="http://schemas.microsoft.com/office/drawing/2010/main" xmlns="">
+              <a14:hiddenEffects xmlns="" xmlns:a14="http://schemas.microsoft.com/office/drawing/2010/main">
                 <a:effectLst>
                   <a:outerShdw dist="35921" dir="2700000" algn="ctr" rotWithShape="0">
                     <a:schemeClr val="bg2"/>
@@ -10165,7 +10180,7 @@
           <a:effectLst/>
           <a:extLst>
             <a:ext uri="{AF507438-7753-43e0-B8FC-AC1667EBCBE1}">
-              <a14:hiddenEffects xmlns:a14="http://schemas.microsoft.com/office/drawing/2010/main" xmlns="">
+              <a14:hiddenEffects xmlns="" xmlns:a14="http://schemas.microsoft.com/office/drawing/2010/main">
                 <a:effectLst>
                   <a:outerShdw dist="35921" dir="2700000" algn="ctr" rotWithShape="0">
                     <a:schemeClr val="bg2"/>
@@ -10203,7 +10218,7 @@
           <a:effectLst/>
           <a:extLst>
             <a:ext uri="{AF507438-7753-43e0-B8FC-AC1667EBCBE1}">
-              <a14:hiddenEffects xmlns:a14="http://schemas.microsoft.com/office/drawing/2010/main" xmlns="">
+              <a14:hiddenEffects xmlns="" xmlns:a14="http://schemas.microsoft.com/office/drawing/2010/main">
                 <a:effectLst>
                   <a:outerShdw dist="35921" dir="2700000" algn="ctr" rotWithShape="0">
                     <a:schemeClr val="bg2"/>
@@ -10279,7 +10294,7 @@
           <a:effectLst/>
           <a:extLst>
             <a:ext uri="{AF507438-7753-43e0-B8FC-AC1667EBCBE1}">
-              <a14:hiddenEffects xmlns:a14="http://schemas.microsoft.com/office/drawing/2010/main" xmlns="">
+              <a14:hiddenEffects xmlns="" xmlns:a14="http://schemas.microsoft.com/office/drawing/2010/main">
                 <a:effectLst>
                   <a:outerShdw dist="35921" dir="2700000" algn="ctr" rotWithShape="0">
                     <a:schemeClr val="bg2"/>
@@ -10355,7 +10370,7 @@
           <a:effectLst/>
           <a:extLst>
             <a:ext uri="{AF507438-7753-43e0-B8FC-AC1667EBCBE1}">
-              <a14:hiddenEffects xmlns:a14="http://schemas.microsoft.com/office/drawing/2010/main" xmlns="">
+              <a14:hiddenEffects xmlns="" xmlns:a14="http://schemas.microsoft.com/office/drawing/2010/main">
                 <a:effectLst>
                   <a:outerShdw dist="35921" dir="2700000" algn="ctr" rotWithShape="0">
                     <a:schemeClr val="bg2"/>
@@ -10510,7 +10525,7 @@
           <a:effectLst/>
           <a:extLst>
             <a:ext uri="{AF507438-7753-43e0-B8FC-AC1667EBCBE1}">
-              <a14:hiddenEffects xmlns:a14="http://schemas.microsoft.com/office/drawing/2010/main" xmlns="">
+              <a14:hiddenEffects xmlns="" xmlns:a14="http://schemas.microsoft.com/office/drawing/2010/main">
                 <a:effectLst>
                   <a:outerShdw dist="35921" dir="2700000" algn="ctr" rotWithShape="0">
                     <a:schemeClr val="bg2"/>
@@ -10673,7 +10688,7 @@
           <a:effectLst/>
           <a:extLst>
             <a:ext uri="{AF507438-7753-43e0-B8FC-AC1667EBCBE1}">
-              <a14:hiddenEffects xmlns:a14="http://schemas.microsoft.com/office/drawing/2010/main" xmlns="">
+              <a14:hiddenEffects xmlns="" xmlns:a14="http://schemas.microsoft.com/office/drawing/2010/main">
                 <a:effectLst>
                   <a:outerShdw dist="35921" dir="2700000" algn="ctr" rotWithShape="0">
                     <a:schemeClr val="bg2"/>
@@ -10832,7 +10847,7 @@
           <a:effectLst/>
           <a:extLst>
             <a:ext uri="{AF507438-7753-43e0-B8FC-AC1667EBCBE1}">
-              <a14:hiddenEffects xmlns:a14="http://schemas.microsoft.com/office/drawing/2010/main" xmlns="">
+              <a14:hiddenEffects xmlns="" xmlns:a14="http://schemas.microsoft.com/office/drawing/2010/main">
                 <a:effectLst>
                   <a:outerShdw dist="35921" dir="2700000" algn="ctr" rotWithShape="0">
                     <a:schemeClr val="bg2"/>
@@ -10991,7 +11006,7 @@
           <a:effectLst/>
           <a:extLst>
             <a:ext uri="{AF507438-7753-43e0-B8FC-AC1667EBCBE1}">
-              <a14:hiddenEffects xmlns:a14="http://schemas.microsoft.com/office/drawing/2010/main" xmlns="">
+              <a14:hiddenEffects xmlns="" xmlns:a14="http://schemas.microsoft.com/office/drawing/2010/main">
                 <a:effectLst>
                   <a:outerShdw dist="35921" dir="2700000" algn="ctr" rotWithShape="0">
                     <a:schemeClr val="bg2"/>
@@ -11150,7 +11165,7 @@
           <a:effectLst/>
           <a:extLst>
             <a:ext uri="{AF507438-7753-43e0-B8FC-AC1667EBCBE1}">
-              <a14:hiddenEffects xmlns:a14="http://schemas.microsoft.com/office/drawing/2010/main" xmlns="">
+              <a14:hiddenEffects xmlns="" xmlns:a14="http://schemas.microsoft.com/office/drawing/2010/main">
                 <a:effectLst>
                   <a:outerShdw dist="35921" dir="2700000" algn="ctr" rotWithShape="0">
                     <a:schemeClr val="bg2"/>
@@ -11491,7 +11506,11 @@
           <a:bodyPr/>
           <a:lstStyle/>
           <a:p>
-            <a:endParaRPr kumimoji="1" lang="ja-JP" altLang="en-US"/>
+            <a:r>
+              <a:rPr kumimoji="1" lang="ja-JP" altLang="en-US" dirty="0" smtClean="0"/>
+              <a:t>プログラムを変更する。</a:t>
+            </a:r>
+            <a:endParaRPr kumimoji="1" lang="ja-JP" altLang="en-US" dirty="0"/>
           </a:p>
         </p:txBody>
       </p:sp>
@@ -11553,7 +11572,7 @@
           <a:effectLst/>
           <a:extLst>
             <a:ext uri="{AF507438-7753-43e0-B8FC-AC1667EBCBE1}">
-              <a14:hiddenEffects xmlns:a14="http://schemas.microsoft.com/office/drawing/2010/main" xmlns="">
+              <a14:hiddenEffects xmlns="" xmlns:a14="http://schemas.microsoft.com/office/drawing/2010/main">
                 <a:effectLst>
                   <a:outerShdw dist="35921" dir="2700000" algn="ctr" rotWithShape="0">
                     <a:schemeClr val="bg2"/>
@@ -11634,7 +11653,7 @@
           <a:effectLst/>
           <a:extLst>
             <a:ext uri="{AF507438-7753-43e0-B8FC-AC1667EBCBE1}">
-              <a14:hiddenEffects xmlns:a14="http://schemas.microsoft.com/office/drawing/2010/main" xmlns="">
+              <a14:hiddenEffects xmlns="" xmlns:a14="http://schemas.microsoft.com/office/drawing/2010/main">
                 <a:effectLst>
                   <a:outerShdw dist="35921" dir="2700000" algn="ctr" rotWithShape="0">
                     <a:schemeClr val="bg2"/>
@@ -11679,6 +11698,130 @@
               <a:latin typeface="Helvetica" panose="020B0604020202020204" pitchFamily="34" charset="0"/>
               <a:ea typeface="メイリオ" panose="020B0604030504040204" pitchFamily="50" charset="-128"/>
               <a:cs typeface="メイリオ" panose="020B0604030504040204" pitchFamily="50" charset="-128"/>
+            </a:endParaRPr>
+          </a:p>
+        </p:txBody>
+      </p:sp>
+      <p:sp>
+        <p:nvSpPr>
+          <p:cNvPr id="6" name="Rectangular Callout 5"/>
+          <p:cNvSpPr/>
+          <p:nvPr/>
+        </p:nvSpPr>
+        <p:spPr bwMode="auto">
+          <a:xfrm>
+            <a:off x="6339837" y="5924511"/>
+            <a:ext cx="2989358" cy="489898"/>
+          </a:xfrm>
+          <a:prstGeom prst="wedgeRectCallout">
+            <a:avLst>
+              <a:gd name="adj1" fmla="val -60553"/>
+              <a:gd name="adj2" fmla="val -38766"/>
+            </a:avLst>
+          </a:prstGeom>
+          <a:solidFill>
+            <a:srgbClr val="FFFFFF"/>
+          </a:solidFill>
+          <a:ln w="31750" cap="flat" cmpd="sng" algn="ctr">
+            <a:solidFill>
+              <a:srgbClr val="FFD300"/>
+            </a:solidFill>
+            <a:prstDash val="solid"/>
+            <a:round/>
+            <a:headEnd type="none" w="med" len="med"/>
+            <a:tailEnd type="none" w="med" len="med"/>
+          </a:ln>
+          <a:effectLst/>
+          <a:extLst>
+            <a:ext uri="{AF507438-7753-43e0-B8FC-AC1667EBCBE1}">
+              <a14:hiddenEffects xmlns="" xmlns:a14="http://schemas.microsoft.com/office/drawing/2010/main">
+                <a:effectLst>
+                  <a:outerShdw dist="35921" dir="2700000" algn="ctr" rotWithShape="0">
+                    <a:schemeClr val="bg2"/>
+                  </a:outerShdw>
+                </a:effectLst>
+              </a14:hiddenEffects>
+            </a:ext>
+          </a:extLst>
+        </p:spPr>
+        <p:txBody>
+          <a:bodyPr vert="horz" wrap="square" lIns="91440" tIns="45720" rIns="91440" bIns="45720" numCol="1" rtlCol="0" anchor="ctr" anchorCtr="0" compatLnSpc="1">
+            <a:prstTxWarp prst="textNoShape">
+              <a:avLst/>
+            </a:prstTxWarp>
+          </a:bodyPr>
+          <a:lstStyle/>
+          <a:p>
+            <a:pPr>
+              <a:spcBef>
+                <a:spcPct val="20000"/>
+              </a:spcBef>
+              <a:buSzPct val="100000"/>
+            </a:pPr>
+            <a:r>
+              <a:rPr kumimoji="1" lang="ja-JP" altLang="en-US" sz="1200" b="0" dirty="0" smtClean="0">
+                <a:solidFill>
+                  <a:srgbClr val="26343F"/>
+                </a:solidFill>
+                <a:latin typeface="Helvetica" panose="020B0604020202020204" pitchFamily="34" charset="0"/>
+              </a:rPr>
+              <a:t>コ</a:t>
+            </a:r>
+            <a:r>
+              <a:rPr kumimoji="1" lang="ja-JP" altLang="en-US" sz="1200" b="0" dirty="0">
+                <a:solidFill>
+                  <a:srgbClr val="26343F"/>
+                </a:solidFill>
+                <a:latin typeface="Helvetica" panose="020B0604020202020204" pitchFamily="34" charset="0"/>
+              </a:rPr>
+              <a:t>ンソー</a:t>
+            </a:r>
+            <a:r>
+              <a:rPr kumimoji="1" lang="ja-JP" altLang="en-US" sz="1200" b="0" dirty="0" smtClean="0">
+                <a:solidFill>
+                  <a:srgbClr val="26343F"/>
+                </a:solidFill>
+                <a:latin typeface="Helvetica" panose="020B0604020202020204" pitchFamily="34" charset="0"/>
+              </a:rPr>
+              <a:t>ルを確認</a:t>
+            </a:r>
+            <a:endParaRPr kumimoji="1" lang="en-US" altLang="ja-JP" sz="1200" b="0" dirty="0" smtClean="0">
+              <a:solidFill>
+                <a:srgbClr val="26343F"/>
+              </a:solidFill>
+              <a:latin typeface="Helvetica" panose="020B0604020202020204" pitchFamily="34" charset="0"/>
+            </a:endParaRPr>
+          </a:p>
+          <a:p>
+            <a:pPr>
+              <a:spcBef>
+                <a:spcPct val="20000"/>
+              </a:spcBef>
+              <a:buSzPct val="100000"/>
+            </a:pPr>
+            <a:r>
+              <a:rPr kumimoji="1" lang="en-US" altLang="ja-JP" sz="1200" b="0" dirty="0" smtClean="0">
+                <a:solidFill>
+                  <a:srgbClr val="26343F"/>
+                </a:solidFill>
+                <a:latin typeface="Helvetica" panose="020B0604020202020204" pitchFamily="34" charset="0"/>
+              </a:rPr>
+              <a:t>Save</a:t>
+            </a:r>
+            <a:r>
+              <a:rPr kumimoji="1" lang="ja-JP" altLang="en-US" sz="1200" b="0" dirty="0" smtClean="0">
+                <a:solidFill>
+                  <a:srgbClr val="26343F"/>
+                </a:solidFill>
+                <a:latin typeface="Helvetica" panose="020B0604020202020204" pitchFamily="34" charset="0"/>
+              </a:rPr>
+              <a:t>後、アプリケーションが更新される</a:t>
+            </a:r>
+            <a:endParaRPr kumimoji="1" lang="en-US" altLang="ja-JP" sz="1200" b="0" dirty="0" smtClean="0">
+              <a:solidFill>
+                <a:srgbClr val="26343F"/>
+              </a:solidFill>
+              <a:latin typeface="Helvetica" panose="020B0604020202020204" pitchFamily="34" charset="0"/>
             </a:endParaRPr>
           </a:p>
         </p:txBody>
@@ -11730,7 +11873,11 @@
           <a:p>
             <a:r>
               <a:rPr kumimoji="1" lang="ja-JP" altLang="en-US" dirty="0" smtClean="0"/>
-              <a:t>自動的にアプリケーションが更新される。</a:t>
+              <a:t>実行結果 </a:t>
+            </a:r>
+            <a:r>
+              <a:rPr kumimoji="1" lang="en-US" altLang="ja-JP" dirty="0" smtClean="0"/>
+              <a:t>- Servlet</a:t>
             </a:r>
             <a:endParaRPr kumimoji="1" lang="ja-JP" altLang="en-US" dirty="0"/>
           </a:p>
@@ -11764,89 +11911,6 @@
       </p:pic>
       <p:sp>
         <p:nvSpPr>
-          <p:cNvPr id="7" name="Rectangular Callout 6"/>
-          <p:cNvSpPr/>
-          <p:nvPr/>
-        </p:nvSpPr>
-        <p:spPr bwMode="auto">
-          <a:xfrm>
-            <a:off x="5557494" y="6028683"/>
-            <a:ext cx="1504788" cy="265014"/>
-          </a:xfrm>
-          <a:prstGeom prst="wedgeRectCallout">
-            <a:avLst>
-              <a:gd name="adj1" fmla="val -60553"/>
-              <a:gd name="adj2" fmla="val -45854"/>
-            </a:avLst>
-          </a:prstGeom>
-          <a:solidFill>
-            <a:srgbClr val="FFFFFF"/>
-          </a:solidFill>
-          <a:ln w="31750" cap="flat" cmpd="sng" algn="ctr">
-            <a:solidFill>
-              <a:srgbClr val="FFD300"/>
-            </a:solidFill>
-            <a:prstDash val="solid"/>
-            <a:round/>
-            <a:headEnd type="none" w="med" len="med"/>
-            <a:tailEnd type="none" w="med" len="med"/>
-          </a:ln>
-          <a:effectLst/>
-          <a:extLst>
-            <a:ext uri="{AF507438-7753-43e0-B8FC-AC1667EBCBE1}">
-              <a14:hiddenEffects xmlns:a14="http://schemas.microsoft.com/office/drawing/2010/main" xmlns="">
-                <a:effectLst>
-                  <a:outerShdw dist="35921" dir="2700000" algn="ctr" rotWithShape="0">
-                    <a:schemeClr val="bg2"/>
-                  </a:outerShdw>
-                </a:effectLst>
-              </a14:hiddenEffects>
-            </a:ext>
-          </a:extLst>
-        </p:spPr>
-        <p:txBody>
-          <a:bodyPr vert="horz" wrap="square" lIns="91440" tIns="45720" rIns="91440" bIns="45720" numCol="1" rtlCol="0" anchor="ctr" anchorCtr="0" compatLnSpc="1">
-            <a:prstTxWarp prst="textNoShape">
-              <a:avLst/>
-            </a:prstTxWarp>
-          </a:bodyPr>
-          <a:lstStyle/>
-          <a:p>
-            <a:pPr>
-              <a:spcBef>
-                <a:spcPct val="20000"/>
-              </a:spcBef>
-              <a:buSzPct val="100000"/>
-            </a:pPr>
-            <a:r>
-              <a:rPr kumimoji="1" lang="ja-JP" altLang="en-US" sz="1200" b="0" dirty="0">
-                <a:solidFill>
-                  <a:srgbClr val="26343F"/>
-                </a:solidFill>
-                <a:latin typeface="Helvetica" panose="020B0604020202020204" pitchFamily="34" charset="0"/>
-              </a:rPr>
-              <a:t>コンソー</a:t>
-            </a:r>
-            <a:r>
-              <a:rPr kumimoji="1" lang="ja-JP" altLang="en-US" sz="1200" b="0" dirty="0" smtClean="0">
-                <a:solidFill>
-                  <a:srgbClr val="26343F"/>
-                </a:solidFill>
-                <a:latin typeface="Helvetica" panose="020B0604020202020204" pitchFamily="34" charset="0"/>
-              </a:rPr>
-              <a:t>ルを確認</a:t>
-            </a:r>
-            <a:endParaRPr kumimoji="1" lang="en-US" altLang="ja-JP" sz="1200" b="0" dirty="0" smtClean="0">
-              <a:solidFill>
-                <a:srgbClr val="26343F"/>
-              </a:solidFill>
-              <a:latin typeface="Helvetica" panose="020B0604020202020204" pitchFamily="34" charset="0"/>
-            </a:endParaRPr>
-          </a:p>
-        </p:txBody>
-      </p:sp>
-      <p:sp>
-        <p:nvSpPr>
           <p:cNvPr id="8" name="Rectangle 7"/>
           <p:cNvSpPr/>
           <p:nvPr/>
@@ -11872,7 +11936,7 @@
           <a:effectLst/>
           <a:extLst>
             <a:ext uri="{AF507438-7753-43e0-B8FC-AC1667EBCBE1}">
-              <a14:hiddenEffects xmlns:a14="http://schemas.microsoft.com/office/drawing/2010/main" xmlns="">
+              <a14:hiddenEffects xmlns="" xmlns:a14="http://schemas.microsoft.com/office/drawing/2010/main">
                 <a:effectLst>
                   <a:outerShdw dist="35921" dir="2700000" algn="ctr" rotWithShape="0">
                     <a:schemeClr val="bg2"/>
@@ -11953,7 +12017,7 @@
           <a:effectLst/>
           <a:extLst>
             <a:ext uri="{AF507438-7753-43e0-B8FC-AC1667EBCBE1}">
-              <a14:hiddenEffects xmlns:a14="http://schemas.microsoft.com/office/drawing/2010/main" xmlns="">
+              <a14:hiddenEffects xmlns="" xmlns:a14="http://schemas.microsoft.com/office/drawing/2010/main">
                 <a:effectLst>
                   <a:outerShdw dist="35921" dir="2700000" algn="ctr" rotWithShape="0">
                     <a:schemeClr val="bg2"/>
@@ -12142,7 +12206,7 @@
           <a:effectLst/>
           <a:extLst>
             <a:ext uri="{AF507438-7753-43e0-B8FC-AC1667EBCBE1}">
-              <a14:hiddenEffects xmlns:a14="http://schemas.microsoft.com/office/drawing/2010/main" xmlns="">
+              <a14:hiddenEffects xmlns="" xmlns:a14="http://schemas.microsoft.com/office/drawing/2010/main">
                 <a:effectLst>
                   <a:outerShdw dist="35921" dir="2700000" algn="ctr" rotWithShape="0">
                     <a:schemeClr val="bg2"/>
@@ -12218,7 +12282,7 @@
           <a:effectLst/>
           <a:extLst>
             <a:ext uri="{AF507438-7753-43e0-B8FC-AC1667EBCBE1}">
-              <a14:hiddenEffects xmlns:a14="http://schemas.microsoft.com/office/drawing/2010/main" xmlns="">
+              <a14:hiddenEffects xmlns="" xmlns:a14="http://schemas.microsoft.com/office/drawing/2010/main">
                 <a:effectLst>
                   <a:outerShdw dist="35921" dir="2700000" algn="ctr" rotWithShape="0">
                     <a:schemeClr val="bg2"/>
@@ -12377,7 +12441,7 @@
           <a:effectLst/>
           <a:extLst>
             <a:ext uri="{AF507438-7753-43e0-B8FC-AC1667EBCBE1}">
-              <a14:hiddenEffects xmlns:a14="http://schemas.microsoft.com/office/drawing/2010/main" xmlns="">
+              <a14:hiddenEffects xmlns="" xmlns:a14="http://schemas.microsoft.com/office/drawing/2010/main">
                 <a:effectLst>
                   <a:outerShdw dist="35921" dir="2700000" algn="ctr" rotWithShape="0">
                     <a:schemeClr val="bg2"/>
@@ -12577,6 +12641,22 @@
             <a:r>
               <a:rPr kumimoji="1" lang="ja-JP" altLang="en-US" sz="1600" dirty="0" smtClean="0"/>
               <a:t>すれば、</a:t>
+            </a:r>
+            <a:r>
+              <a:rPr kumimoji="1" lang="en-US" altLang="ja-JP" sz="1600" dirty="0" smtClean="0"/>
+              <a:t>IDS </a:t>
+            </a:r>
+            <a:r>
+              <a:rPr kumimoji="1" lang="ja-JP" altLang="en-US" sz="1600" dirty="0" smtClean="0"/>
+              <a:t>の </a:t>
+            </a:r>
+            <a:r>
+              <a:rPr lang="en-US" altLang="ja-JP" sz="1600" dirty="0"/>
+              <a:t>Delivery Pipeline </a:t>
+            </a:r>
+            <a:r>
+              <a:rPr kumimoji="1" lang="ja-JP" altLang="en-US" sz="1600" dirty="0" smtClean="0"/>
+              <a:t>を介して </a:t>
             </a:r>
             <a:r>
               <a:rPr kumimoji="1" lang="en-US" altLang="ja-JP" sz="1600" dirty="0" smtClean="0"/>
@@ -14817,7 +14897,7 @@
             <a:effectLst/>
             <a:extLst>
               <a:ext uri="{AF507438-7753-43e0-B8FC-AC1667EBCBE1}">
-                <a14:hiddenEffects xmlns="" xmlns:a14="http://schemas.microsoft.com/office/drawing/2010/main">
+                <a14:hiddenEffects xmlns:a14="http://schemas.microsoft.com/office/drawing/2010/main" xmlns="">
                   <a:effectLst>
                     <a:outerShdw dist="35921" dir="2700000" algn="ctr" rotWithShape="0">
                       <a:schemeClr val="bg2"/>
@@ -14954,7 +15034,7 @@
             <a:effectLst/>
             <a:extLst>
               <a:ext uri="{AF507438-7753-43e0-B8FC-AC1667EBCBE1}">
-                <a14:hiddenEffects xmlns="" xmlns:a14="http://schemas.microsoft.com/office/drawing/2010/main">
+                <a14:hiddenEffects xmlns:a14="http://schemas.microsoft.com/office/drawing/2010/main" xmlns="">
                   <a:effectLst>
                     <a:outerShdw dist="35921" dir="2700000" algn="ctr" rotWithShape="0">
                       <a:schemeClr val="bg2"/>
@@ -15115,7 +15195,7 @@
             <a:effectLst/>
             <a:extLst>
               <a:ext uri="{AF507438-7753-43e0-B8FC-AC1667EBCBE1}">
-                <a14:hiddenEffects xmlns="" xmlns:a14="http://schemas.microsoft.com/office/drawing/2010/main">
+                <a14:hiddenEffects xmlns:a14="http://schemas.microsoft.com/office/drawing/2010/main" xmlns="">
                   <a:effectLst>
                     <a:outerShdw dist="35921" dir="2700000" algn="ctr" rotWithShape="0">
                       <a:schemeClr val="bg2"/>
@@ -15234,7 +15314,7 @@
             <a:effectLst/>
             <a:extLst>
               <a:ext uri="{AF507438-7753-43e0-B8FC-AC1667EBCBE1}">
-                <a14:hiddenEffects xmlns="" xmlns:a14="http://schemas.microsoft.com/office/drawing/2010/main">
+                <a14:hiddenEffects xmlns:a14="http://schemas.microsoft.com/office/drawing/2010/main" xmlns="">
                   <a:effectLst>
                     <a:outerShdw dist="35921" dir="2700000" algn="ctr" rotWithShape="0">
                       <a:schemeClr val="bg2"/>
@@ -15918,7 +15998,7 @@
           <a:effectLst/>
           <a:extLst>
             <a:ext uri="{AF507438-7753-43e0-B8FC-AC1667EBCBE1}">
-              <a14:hiddenEffects xmlns:a14="http://schemas.microsoft.com/office/drawing/2010/main" xmlns="">
+              <a14:hiddenEffects xmlns="" xmlns:a14="http://schemas.microsoft.com/office/drawing/2010/main">
                 <a:effectLst>
                   <a:outerShdw dist="35921" dir="2700000" algn="ctr" rotWithShape="0">
                     <a:schemeClr val="bg2"/>
@@ -16112,7 +16192,7 @@
           <a:effectLst/>
           <a:extLst>
             <a:ext uri="{AF507438-7753-43e0-B8FC-AC1667EBCBE1}">
-              <a14:hiddenEffects xmlns:a14="http://schemas.microsoft.com/office/drawing/2010/main" xmlns="">
+              <a14:hiddenEffects xmlns="" xmlns:a14="http://schemas.microsoft.com/office/drawing/2010/main">
                 <a:effectLst>
                   <a:outerShdw dist="35921" dir="2700000" algn="ctr" rotWithShape="0">
                     <a:schemeClr val="bg2"/>
@@ -16193,7 +16273,7 @@
           <a:effectLst/>
           <a:extLst>
             <a:ext uri="{AF507438-7753-43e0-B8FC-AC1667EBCBE1}">
-              <a14:hiddenEffects xmlns:a14="http://schemas.microsoft.com/office/drawing/2010/main" xmlns="">
+              <a14:hiddenEffects xmlns="" xmlns:a14="http://schemas.microsoft.com/office/drawing/2010/main">
                 <a:effectLst>
                   <a:outerShdw dist="35921" dir="2700000" algn="ctr" rotWithShape="0">
                     <a:schemeClr val="bg2"/>
@@ -16274,7 +16354,7 @@
           <a:effectLst/>
           <a:extLst>
             <a:ext uri="{AF507438-7753-43e0-B8FC-AC1667EBCBE1}">
-              <a14:hiddenEffects xmlns:a14="http://schemas.microsoft.com/office/drawing/2010/main" xmlns="">
+              <a14:hiddenEffects xmlns="" xmlns:a14="http://schemas.microsoft.com/office/drawing/2010/main">
                 <a:effectLst>
                   <a:outerShdw dist="35921" dir="2700000" algn="ctr" rotWithShape="0">
                     <a:schemeClr val="bg2"/>
@@ -16570,7 +16650,7 @@
         <a:effectLst/>
         <a:extLst>
           <a:ext uri="{AF507438-7753-43e0-B8FC-AC1667EBCBE1}">
-            <a14:hiddenEffects xmlns="" xmlns:a14="http://schemas.microsoft.com/office/drawing/2010/main">
+            <a14:hiddenEffects xmlns:a14="http://schemas.microsoft.com/office/drawing/2010/main" xmlns="">
               <a:effectLst>
                 <a:outerShdw dist="35921" dir="2700000" algn="ctr" rotWithShape="0">
                   <a:schemeClr val="bg2"/>
@@ -16645,7 +16725,7 @@
         <a:effectLst/>
         <a:extLst>
           <a:ext uri="{AF507438-7753-43e0-B8FC-AC1667EBCBE1}">
-            <a14:hiddenEffects xmlns="" xmlns:a14="http://schemas.microsoft.com/office/drawing/2010/main">
+            <a14:hiddenEffects xmlns:a14="http://schemas.microsoft.com/office/drawing/2010/main" xmlns="">
               <a:effectLst>
                 <a:outerShdw dist="35921" dir="2700000" algn="ctr" rotWithShape="0">
                   <a:schemeClr val="bg2"/>
